--- a/Network_Structure.pptx
+++ b/Network_Structure.pptx
@@ -105,6 +105,11 @@
       </a:defRPr>
     </a:lvl9pPr>
   </p:defaultTextStyle>
+  <p:extLst>
+    <p:ext uri="{EFAFB233-063F-42B5-8137-9DF3F51BA10A}">
+      <p15:sldGuideLst xmlns:p15="http://schemas.microsoft.com/office/powerpoint/2012/main"/>
+    </p:ext>
+  </p:extLst>
 </p:presentation>
 </file>
 
@@ -5413,7 +5418,7 @@
         </p:nvGrpSpPr>
         <p:grpSpPr>
           <a:xfrm>
-            <a:off x="1769166" y="-1765850"/>
+            <a:off x="755375" y="-1885120"/>
             <a:ext cx="10144541" cy="7861846"/>
             <a:chOff x="1769166" y="-1765850"/>
             <a:chExt cx="10144541" cy="7861846"/>
@@ -5583,15 +5588,7 @@
                 </a:r>
                 <a:r>
                   <a:rPr lang="en-US" altLang="ko-KR" dirty="0"/>
-                  <a:t>, </a:t>
-                </a:r>
-                <a:r>
-                  <a:rPr lang="en-US" altLang="ko-KR" dirty="0" err="1"/>
-                  <a:t>Tizen</a:t>
-                </a:r>
-                <a:r>
-                  <a:rPr lang="en-US" altLang="ko-KR" dirty="0"/>
-                  <a:t> OS</a:t>
+                  <a:t>, Linux OS</a:t>
                 </a:r>
               </a:p>
               <a:p>
@@ -5942,8 +5939,8 @@
               <a:p>
                 <a:pPr algn="ctr"/>
                 <a:r>
-                  <a:rPr lang="ko-KR" altLang="en-US" dirty="0" err="1"/>
-                  <a:t>라즈베리파이</a:t>
+                  <a:rPr lang="en-US" altLang="ko-KR" dirty="0"/>
+                  <a:t>Raspberry Pi</a:t>
                 </a:r>
                 <a:endParaRPr lang="ko-KR" altLang="en-US" dirty="0"/>
               </a:p>
@@ -6280,8 +6277,8 @@
               <a:p>
                 <a:pPr algn="ctr"/>
                 <a:r>
-                  <a:rPr lang="ko-KR" altLang="en-US" dirty="0" err="1"/>
-                  <a:t>라즈베리파이</a:t>
+                  <a:rPr lang="en-US" altLang="ko-KR" dirty="0"/>
+                  <a:t>Raspberry Pi</a:t>
                 </a:r>
                 <a:endParaRPr lang="ko-KR" altLang="en-US" dirty="0"/>
               </a:p>
@@ -6608,15 +6605,15 @@
                 </a:r>
                 <a:r>
                   <a:rPr lang="en-US" altLang="ko-KR" dirty="0"/>
-                  <a:t>, </a:t>
-                </a:r>
-                <a:r>
-                  <a:rPr lang="en-US" altLang="ko-KR" dirty="0" err="1"/>
-                  <a:t>Tizen</a:t>
+                  <a:t>, Linux</a:t>
+                </a:r>
+                <a:r>
+                  <a:rPr lang="ko-KR" altLang="en-US" dirty="0"/>
+                  <a:t> </a:t>
                 </a:r>
                 <a:r>
                   <a:rPr lang="en-US" altLang="ko-KR" dirty="0"/>
-                  <a:t> OS, </a:t>
+                  <a:t>OS, </a:t>
                 </a:r>
               </a:p>
               <a:p>
@@ -6627,12 +6624,9 @@
                 <a:pPr algn="ctr"/>
                 <a:r>
                   <a:rPr lang="en-US" altLang="ko-KR" dirty="0"/>
-                  <a:t>ARTIK </a:t>
-                </a:r>
-                <a:r>
-                  <a:rPr lang="ko-KR" altLang="en-US" dirty="0"/>
-                  <a:t>모듈</a:t>
-                </a:r>
+                  <a:t>Raspberry Pi</a:t>
+                </a:r>
+                <a:endParaRPr lang="ko-KR" altLang="en-US" dirty="0"/>
               </a:p>
             </p:txBody>
           </p:sp>
@@ -7295,10 +7289,9 @@
                   <a:t> </a:t>
                 </a:r>
                 <a:r>
-                  <a:rPr lang="en-US" altLang="ko-KR" dirty="0" err="1"/>
-                  <a:t>Ios</a:t>
-                </a:r>
-                <a:endParaRPr lang="en-US" altLang="ko-KR" dirty="0"/>
+                  <a:rPr lang="en-US" altLang="ko-KR" dirty="0"/>
+                  <a:t>iOS</a:t>
+                </a:r>
               </a:p>
               <a:p>
                 <a:pPr algn="ctr"/>
@@ -7408,14 +7401,13 @@
               </a:extLst>
             </p:cNvPr>
             <p:cNvCxnSpPr>
-              <a:stCxn id="65" idx="3"/>
-              <a:endCxn id="70" idx="1"/>
+              <a:cxnSpLocks/>
             </p:cNvCxnSpPr>
             <p:nvPr/>
           </p:nvCxnSpPr>
           <p:spPr>
             <a:xfrm>
-              <a:off x="8865358" y="-752058"/>
+              <a:off x="8845480" y="-752058"/>
               <a:ext cx="398262" cy="0"/>
             </a:xfrm>
             <a:prstGeom prst="straightConnector1">
@@ -7613,15 +7605,7 @@
                 </a:r>
                 <a:r>
                   <a:rPr lang="en-US" altLang="ko-KR" dirty="0"/>
-                  <a:t>, </a:t>
-                </a:r>
-                <a:r>
-                  <a:rPr lang="en-US" altLang="ko-KR" dirty="0" err="1"/>
-                  <a:t>Tizen</a:t>
-                </a:r>
-                <a:r>
-                  <a:rPr lang="en-US" altLang="ko-KR" dirty="0"/>
-                  <a:t> OS</a:t>
+                  <a:t>, Linux OS</a:t>
                 </a:r>
               </a:p>
               <a:p>
